--- a/1_WEEK_LECTURE_LINEAR CONTROL SYSTEM.pptx
+++ b/1_WEEK_LECTURE_LINEAR CONTROL SYSTEM.pptx
@@ -311,7 +311,7 @@
           <a:p>
             <a:fld id="{891567FA-CAE2-4240-AFE8-BE6595EB644A}" type="datetimeFigureOut">
               <a:rPr lang="th-TH" smtClean="0"/>
-              <a:t>13/09/64</a:t>
+              <a:t>14/09/64</a:t>
             </a:fld>
             <a:endParaRPr lang="th-TH"/>
           </a:p>
@@ -511,7 +511,7 @@
           <a:p>
             <a:fld id="{891567FA-CAE2-4240-AFE8-BE6595EB644A}" type="datetimeFigureOut">
               <a:rPr lang="th-TH" smtClean="0"/>
-              <a:t>13/09/64</a:t>
+              <a:t>14/09/64</a:t>
             </a:fld>
             <a:endParaRPr lang="th-TH"/>
           </a:p>
@@ -721,7 +721,7 @@
           <a:p>
             <a:fld id="{891567FA-CAE2-4240-AFE8-BE6595EB644A}" type="datetimeFigureOut">
               <a:rPr lang="th-TH" smtClean="0"/>
-              <a:t>13/09/64</a:t>
+              <a:t>14/09/64</a:t>
             </a:fld>
             <a:endParaRPr lang="th-TH"/>
           </a:p>
@@ -921,7 +921,7 @@
           <a:p>
             <a:fld id="{891567FA-CAE2-4240-AFE8-BE6595EB644A}" type="datetimeFigureOut">
               <a:rPr lang="th-TH" smtClean="0"/>
-              <a:t>13/09/64</a:t>
+              <a:t>14/09/64</a:t>
             </a:fld>
             <a:endParaRPr lang="th-TH"/>
           </a:p>
@@ -1197,7 +1197,7 @@
           <a:p>
             <a:fld id="{891567FA-CAE2-4240-AFE8-BE6595EB644A}" type="datetimeFigureOut">
               <a:rPr lang="th-TH" smtClean="0"/>
-              <a:t>13/09/64</a:t>
+              <a:t>14/09/64</a:t>
             </a:fld>
             <a:endParaRPr lang="th-TH"/>
           </a:p>
@@ -1465,7 +1465,7 @@
           <a:p>
             <a:fld id="{891567FA-CAE2-4240-AFE8-BE6595EB644A}" type="datetimeFigureOut">
               <a:rPr lang="th-TH" smtClean="0"/>
-              <a:t>13/09/64</a:t>
+              <a:t>14/09/64</a:t>
             </a:fld>
             <a:endParaRPr lang="th-TH"/>
           </a:p>
@@ -1880,7 +1880,7 @@
           <a:p>
             <a:fld id="{891567FA-CAE2-4240-AFE8-BE6595EB644A}" type="datetimeFigureOut">
               <a:rPr lang="th-TH" smtClean="0"/>
-              <a:t>13/09/64</a:t>
+              <a:t>14/09/64</a:t>
             </a:fld>
             <a:endParaRPr lang="th-TH"/>
           </a:p>
@@ -2022,7 +2022,7 @@
           <a:p>
             <a:fld id="{891567FA-CAE2-4240-AFE8-BE6595EB644A}" type="datetimeFigureOut">
               <a:rPr lang="th-TH" smtClean="0"/>
-              <a:t>13/09/64</a:t>
+              <a:t>14/09/64</a:t>
             </a:fld>
             <a:endParaRPr lang="th-TH"/>
           </a:p>
@@ -2135,7 +2135,7 @@
           <a:p>
             <a:fld id="{891567FA-CAE2-4240-AFE8-BE6595EB644A}" type="datetimeFigureOut">
               <a:rPr lang="th-TH" smtClean="0"/>
-              <a:t>13/09/64</a:t>
+              <a:t>14/09/64</a:t>
             </a:fld>
             <a:endParaRPr lang="th-TH"/>
           </a:p>
@@ -2448,7 +2448,7 @@
           <a:p>
             <a:fld id="{891567FA-CAE2-4240-AFE8-BE6595EB644A}" type="datetimeFigureOut">
               <a:rPr lang="th-TH" smtClean="0"/>
-              <a:t>13/09/64</a:t>
+              <a:t>14/09/64</a:t>
             </a:fld>
             <a:endParaRPr lang="th-TH"/>
           </a:p>
@@ -2737,7 +2737,7 @@
           <a:p>
             <a:fld id="{891567FA-CAE2-4240-AFE8-BE6595EB644A}" type="datetimeFigureOut">
               <a:rPr lang="th-TH" smtClean="0"/>
-              <a:t>13/09/64</a:t>
+              <a:t>14/09/64</a:t>
             </a:fld>
             <a:endParaRPr lang="th-TH"/>
           </a:p>
@@ -2980,7 +2980,7 @@
           <a:p>
             <a:fld id="{891567FA-CAE2-4240-AFE8-BE6595EB644A}" type="datetimeFigureOut">
               <a:rPr lang="th-TH" smtClean="0"/>
-              <a:t>13/09/64</a:t>
+              <a:t>14/09/64</a:t>
             </a:fld>
             <a:endParaRPr lang="th-TH"/>
           </a:p>
@@ -18710,13 +18710,7 @@
                               <a:rPr lang="en-US" i="1">
                                 <a:latin typeface="Cambria Math" panose="02040503050406030204" pitchFamily="18" charset="0"/>
                               </a:rPr>
-                              <m:t>𝑅𝑠</m:t>
-                            </m:r>
-                            <m:r>
-                              <a:rPr lang="en-US" i="1">
-                                <a:latin typeface="Cambria Math" panose="02040503050406030204" pitchFamily="18" charset="0"/>
-                              </a:rPr>
-                              <m:t>𝐶</m:t>
+                              <m:t>𝑅𝑠𝐶</m:t>
                             </m:r>
                             <m:r>
                               <a:rPr lang="en-US" i="1">
@@ -19339,13 +19333,7 @@
                               <a:rPr lang="en-US" sz="2400" i="1">
                                 <a:latin typeface="Cambria Math" panose="02040503050406030204" pitchFamily="18" charset="0"/>
                               </a:rPr>
-                              <m:t>𝑅𝑠</m:t>
-                            </m:r>
-                            <m:r>
-                              <a:rPr lang="en-US" sz="2400" i="1">
-                                <a:latin typeface="Cambria Math" panose="02040503050406030204" pitchFamily="18" charset="0"/>
-                              </a:rPr>
-                              <m:t>𝐶</m:t>
+                              <m:t>𝑅𝑠𝐶</m:t>
                             </m:r>
                             <m:r>
                               <a:rPr lang="en-US" sz="2400" i="1">
@@ -19793,13 +19781,7 @@
                           <a:rPr lang="en-US" b="0" i="1">
                             <a:latin typeface="Cambria Math" panose="02040503050406030204" pitchFamily="18" charset="0"/>
                           </a:rPr>
-                          <m:t>𝑅𝑠</m:t>
-                        </m:r>
-                        <m:r>
-                          <a:rPr lang="en-US" b="0" i="1">
-                            <a:latin typeface="Cambria Math" panose="02040503050406030204" pitchFamily="18" charset="0"/>
-                          </a:rPr>
-                          <m:t>𝐶</m:t>
+                          <m:t>𝑅𝑠𝐶</m:t>
                         </m:r>
                         <m:r>
                           <a:rPr lang="en-US" b="0" i="1">
@@ -26959,8 +26941,8 @@
           </a:p>
         </p:txBody>
       </p:sp>
-      <mc:AlternateContent xmlns:mc="http://schemas.openxmlformats.org/markup-compatibility/2006" xmlns:a14="http://schemas.microsoft.com/office/drawing/2010/main">
-        <mc:Choice Requires="a14">
+      <mc:AlternateContent xmlns:mc="http://schemas.openxmlformats.org/markup-compatibility/2006">
+        <mc:Choice xmlns:a14="http://schemas.microsoft.com/office/drawing/2010/main" Requires="a14">
           <p:graphicFrame>
             <p:nvGraphicFramePr>
               <p:cNvPr id="9" name="Table 9">
@@ -26976,7 +26958,7 @@
               <p:nvPr>
                 <p:extLst>
                   <p:ext uri="{D42A27DB-BD31-4B8C-83A1-F6EECF244321}">
-                    <p14:modId xmlns:p14="http://schemas.microsoft.com/office/powerpoint/2010/main" val="4099618115"/>
+                    <p14:modId xmlns:p14="http://schemas.microsoft.com/office/powerpoint/2010/main" val="4147312092"/>
                   </p:ext>
                 </p:extLst>
               </p:nvPr>
@@ -28043,6 +28025,12 @@
                                   <a:rPr lang="en-GB" sz="2000" b="1" i="1" smtClean="0">
                                     <a:latin typeface="Cambria Math" panose="02040503050406030204" pitchFamily="18" charset="0"/>
                                   </a:rPr>
+                                  <m:t>𝒔</m:t>
+                                </m:r>
+                                <m:r>
+                                  <a:rPr lang="en-GB" sz="2000" b="1" i="1" smtClean="0">
+                                    <a:latin typeface="Cambria Math" panose="02040503050406030204" pitchFamily="18" charset="0"/>
+                                  </a:rPr>
                                   <m:t>𝒚</m:t>
                                 </m:r>
                                 <m:d>
@@ -28507,7 +28495,7 @@
             </a:graphic>
           </p:graphicFrame>
         </mc:Choice>
-        <mc:Fallback xmlns="">
+        <mc:Fallback>
           <p:graphicFrame>
             <p:nvGraphicFramePr>
               <p:cNvPr id="9" name="Table 9">
@@ -28523,7 +28511,7 @@
               <p:nvPr>
                 <p:extLst>
                   <p:ext uri="{D42A27DB-BD31-4B8C-83A1-F6EECF244321}">
-                    <p14:modId xmlns:p14="http://schemas.microsoft.com/office/powerpoint/2010/main" val="4099618115"/>
+                    <p14:modId xmlns:p14="http://schemas.microsoft.com/office/powerpoint/2010/main" val="4147312092"/>
                   </p:ext>
                 </p:extLst>
               </p:nvPr>
@@ -33402,8 +33390,8 @@
           </a:p>
         </p:txBody>
       </p:sp>
-      <mc:AlternateContent xmlns:mc="http://schemas.openxmlformats.org/markup-compatibility/2006">
-        <mc:Choice xmlns:a14="http://schemas.microsoft.com/office/drawing/2010/main" Requires="a14">
+      <mc:AlternateContent xmlns:mc="http://schemas.openxmlformats.org/markup-compatibility/2006" xmlns:a14="http://schemas.microsoft.com/office/drawing/2010/main">
+        <mc:Choice Requires="a14">
           <p:sp>
             <p:nvSpPr>
               <p:cNvPr id="7" name="TextBox 6">
@@ -33434,6 +33422,7 @@
               </a:bodyPr>
               <a:lstStyle/>
               <a:p>
+                <a:pPr/>
                 <a14:m>
                   <m:oMathPara xmlns:m="http://schemas.openxmlformats.org/officeDocument/2006/math">
                     <m:oMathParaPr>
@@ -33574,7 +33563,7 @@
             </p:txBody>
           </p:sp>
         </mc:Choice>
-        <mc:Fallback>
+        <mc:Fallback xmlns="">
           <p:sp>
             <p:nvSpPr>
               <p:cNvPr id="7" name="TextBox 6">
@@ -33619,8 +33608,8 @@
           </p:sp>
         </mc:Fallback>
       </mc:AlternateContent>
-      <mc:AlternateContent xmlns:mc="http://schemas.openxmlformats.org/markup-compatibility/2006">
-        <mc:Choice xmlns:a14="http://schemas.microsoft.com/office/drawing/2010/main" Requires="a14">
+      <mc:AlternateContent xmlns:mc="http://schemas.openxmlformats.org/markup-compatibility/2006" xmlns:a14="http://schemas.microsoft.com/office/drawing/2010/main">
+        <mc:Choice Requires="a14">
           <p:sp>
             <p:nvSpPr>
               <p:cNvPr id="8" name="TextBox 7">
@@ -33649,6 +33638,7 @@
               </a:bodyPr>
               <a:lstStyle/>
               <a:p>
+                <a:pPr/>
                 <a14:m>
                   <m:oMathPara xmlns:m="http://schemas.openxmlformats.org/officeDocument/2006/math">
                     <m:oMathParaPr>
@@ -33675,7 +33665,7 @@
             </p:txBody>
           </p:sp>
         </mc:Choice>
-        <mc:Fallback>
+        <mc:Fallback xmlns="">
           <p:sp>
             <p:nvSpPr>
               <p:cNvPr id="8" name="TextBox 7">
@@ -33720,8 +33710,8 @@
           </p:sp>
         </mc:Fallback>
       </mc:AlternateContent>
-      <mc:AlternateContent xmlns:mc="http://schemas.openxmlformats.org/markup-compatibility/2006">
-        <mc:Choice xmlns:a14="http://schemas.microsoft.com/office/drawing/2010/main" Requires="a14">
+      <mc:AlternateContent xmlns:mc="http://schemas.openxmlformats.org/markup-compatibility/2006" xmlns:a14="http://schemas.microsoft.com/office/drawing/2010/main">
+        <mc:Choice Requires="a14">
           <p:sp>
             <p:nvSpPr>
               <p:cNvPr id="10" name="TextBox 9">
@@ -33922,7 +33912,7 @@
             </p:txBody>
           </p:sp>
         </mc:Choice>
-        <mc:Fallback>
+        <mc:Fallback xmlns="">
           <p:sp>
             <p:nvSpPr>
               <p:cNvPr id="10" name="TextBox 9">
@@ -33967,8 +33957,8 @@
           </p:sp>
         </mc:Fallback>
       </mc:AlternateContent>
-      <mc:AlternateContent xmlns:mc="http://schemas.openxmlformats.org/markup-compatibility/2006">
-        <mc:Choice xmlns:a14="http://schemas.microsoft.com/office/drawing/2010/main" Requires="a14">
+      <mc:AlternateContent xmlns:mc="http://schemas.openxmlformats.org/markup-compatibility/2006" xmlns:a14="http://schemas.microsoft.com/office/drawing/2010/main">
+        <mc:Choice Requires="a14">
           <p:sp>
             <p:nvSpPr>
               <p:cNvPr id="12" name="TextBox 11">
@@ -34119,7 +34109,7 @@
             </p:txBody>
           </p:sp>
         </mc:Choice>
-        <mc:Fallback>
+        <mc:Fallback xmlns="">
           <p:sp>
             <p:nvSpPr>
               <p:cNvPr id="12" name="TextBox 11">
@@ -34238,8 +34228,8 @@
           </a:p>
         </p:txBody>
       </p:sp>
-      <mc:AlternateContent xmlns:mc="http://schemas.openxmlformats.org/markup-compatibility/2006">
-        <mc:Choice xmlns:a14="http://schemas.microsoft.com/office/drawing/2010/main" Requires="a14">
+      <mc:AlternateContent xmlns:mc="http://schemas.openxmlformats.org/markup-compatibility/2006" xmlns:a14="http://schemas.microsoft.com/office/drawing/2010/main">
+        <mc:Choice Requires="a14">
           <p:sp>
             <p:nvSpPr>
               <p:cNvPr id="7" name="TextBox 6">
@@ -34270,6 +34260,7 @@
               </a:bodyPr>
               <a:lstStyle/>
               <a:p>
+                <a:pPr/>
                 <a14:m>
                   <m:oMathPara xmlns:m="http://schemas.openxmlformats.org/officeDocument/2006/math">
                     <m:oMathParaPr>
@@ -34410,7 +34401,7 @@
             </p:txBody>
           </p:sp>
         </mc:Choice>
-        <mc:Fallback>
+        <mc:Fallback xmlns="">
           <p:sp>
             <p:nvSpPr>
               <p:cNvPr id="7" name="TextBox 6">
@@ -34455,8 +34446,8 @@
           </p:sp>
         </mc:Fallback>
       </mc:AlternateContent>
-      <mc:AlternateContent xmlns:mc="http://schemas.openxmlformats.org/markup-compatibility/2006">
-        <mc:Choice xmlns:a14="http://schemas.microsoft.com/office/drawing/2010/main" Requires="a14">
+      <mc:AlternateContent xmlns:mc="http://schemas.openxmlformats.org/markup-compatibility/2006" xmlns:a14="http://schemas.microsoft.com/office/drawing/2010/main">
+        <mc:Choice Requires="a14">
           <p:sp>
             <p:nvSpPr>
               <p:cNvPr id="8" name="TextBox 7">
@@ -34485,6 +34476,7 @@
               </a:bodyPr>
               <a:lstStyle/>
               <a:p>
+                <a:pPr/>
                 <a14:m>
                   <m:oMathPara xmlns:m="http://schemas.openxmlformats.org/officeDocument/2006/math">
                     <m:oMathParaPr>
@@ -34511,7 +34503,7 @@
             </p:txBody>
           </p:sp>
         </mc:Choice>
-        <mc:Fallback>
+        <mc:Fallback xmlns="">
           <p:sp>
             <p:nvSpPr>
               <p:cNvPr id="8" name="TextBox 7">
@@ -34556,8 +34548,8 @@
           </p:sp>
         </mc:Fallback>
       </mc:AlternateContent>
-      <mc:AlternateContent xmlns:mc="http://schemas.openxmlformats.org/markup-compatibility/2006">
-        <mc:Choice xmlns:a14="http://schemas.microsoft.com/office/drawing/2010/main" Requires="a14">
+      <mc:AlternateContent xmlns:mc="http://schemas.openxmlformats.org/markup-compatibility/2006" xmlns:a14="http://schemas.microsoft.com/office/drawing/2010/main">
+        <mc:Choice Requires="a14">
           <p:sp>
             <p:nvSpPr>
               <p:cNvPr id="10" name="TextBox 9">
@@ -35008,7 +35000,7 @@
             </p:txBody>
           </p:sp>
         </mc:Choice>
-        <mc:Fallback>
+        <mc:Fallback xmlns="">
           <p:sp>
             <p:nvSpPr>
               <p:cNvPr id="10" name="TextBox 9">
@@ -35793,8 +35785,8 @@
           </a:p>
         </p:txBody>
       </p:sp>
-      <mc:AlternateContent xmlns:mc="http://schemas.openxmlformats.org/markup-compatibility/2006">
-        <mc:Choice xmlns:a14="http://schemas.microsoft.com/office/drawing/2010/main" Requires="a14">
+      <mc:AlternateContent xmlns:mc="http://schemas.openxmlformats.org/markup-compatibility/2006" xmlns:a14="http://schemas.microsoft.com/office/drawing/2010/main">
+        <mc:Choice Requires="a14">
           <p:sp>
             <p:nvSpPr>
               <p:cNvPr id="7" name="TextBox 6">
@@ -35825,6 +35817,7 @@
               </a:bodyPr>
               <a:lstStyle/>
               <a:p>
+                <a:pPr/>
                 <a14:m>
                   <m:oMathPara xmlns:m="http://schemas.openxmlformats.org/officeDocument/2006/math">
                     <m:oMathParaPr>
@@ -35965,7 +35958,7 @@
             </p:txBody>
           </p:sp>
         </mc:Choice>
-        <mc:Fallback>
+        <mc:Fallback xmlns="">
           <p:sp>
             <p:nvSpPr>
               <p:cNvPr id="7" name="TextBox 6">
@@ -36010,8 +36003,8 @@
           </p:sp>
         </mc:Fallback>
       </mc:AlternateContent>
-      <mc:AlternateContent xmlns:mc="http://schemas.openxmlformats.org/markup-compatibility/2006">
-        <mc:Choice xmlns:a14="http://schemas.microsoft.com/office/drawing/2010/main" Requires="a14">
+      <mc:AlternateContent xmlns:mc="http://schemas.openxmlformats.org/markup-compatibility/2006" xmlns:a14="http://schemas.microsoft.com/office/drawing/2010/main">
+        <mc:Choice Requires="a14">
           <p:sp>
             <p:nvSpPr>
               <p:cNvPr id="8" name="TextBox 7">
@@ -36040,6 +36033,7 @@
               </a:bodyPr>
               <a:lstStyle/>
               <a:p>
+                <a:pPr/>
                 <a14:m>
                   <m:oMathPara xmlns:m="http://schemas.openxmlformats.org/officeDocument/2006/math">
                     <m:oMathParaPr>
@@ -36066,7 +36060,7 @@
             </p:txBody>
           </p:sp>
         </mc:Choice>
-        <mc:Fallback>
+        <mc:Fallback xmlns="">
           <p:sp>
             <p:nvSpPr>
               <p:cNvPr id="8" name="TextBox 7">
@@ -36111,8 +36105,8 @@
           </p:sp>
         </mc:Fallback>
       </mc:AlternateContent>
-      <mc:AlternateContent xmlns:mc="http://schemas.openxmlformats.org/markup-compatibility/2006">
-        <mc:Choice xmlns:a14="http://schemas.microsoft.com/office/drawing/2010/main" Requires="a14">
+      <mc:AlternateContent xmlns:mc="http://schemas.openxmlformats.org/markup-compatibility/2006" xmlns:a14="http://schemas.microsoft.com/office/drawing/2010/main">
+        <mc:Choice Requires="a14">
           <p:sp>
             <p:nvSpPr>
               <p:cNvPr id="10" name="TextBox 9">
@@ -36313,7 +36307,7 @@
             </p:txBody>
           </p:sp>
         </mc:Choice>
-        <mc:Fallback>
+        <mc:Fallback xmlns="">
           <p:sp>
             <p:nvSpPr>
               <p:cNvPr id="10" name="TextBox 9">
@@ -36358,8 +36352,8 @@
           </p:sp>
         </mc:Fallback>
       </mc:AlternateContent>
-      <mc:AlternateContent xmlns:mc="http://schemas.openxmlformats.org/markup-compatibility/2006">
-        <mc:Choice xmlns:a14="http://schemas.microsoft.com/office/drawing/2010/main" Requires="a14">
+      <mc:AlternateContent xmlns:mc="http://schemas.openxmlformats.org/markup-compatibility/2006" xmlns:a14="http://schemas.microsoft.com/office/drawing/2010/main">
+        <mc:Choice Requires="a14">
           <p:sp>
             <p:nvSpPr>
               <p:cNvPr id="12" name="TextBox 11">
@@ -36510,7 +36504,7 @@
             </p:txBody>
           </p:sp>
         </mc:Choice>
-        <mc:Fallback>
+        <mc:Fallback xmlns="">
           <p:sp>
             <p:nvSpPr>
               <p:cNvPr id="12" name="TextBox 11">
@@ -36675,8 +36669,8 @@
           </a:fontRef>
         </p:style>
       </p:cxnSp>
-      <mc:AlternateContent xmlns:mc="http://schemas.openxmlformats.org/markup-compatibility/2006">
-        <mc:Choice xmlns:a14="http://schemas.microsoft.com/office/drawing/2010/main" Requires="a14">
+      <mc:AlternateContent xmlns:mc="http://schemas.openxmlformats.org/markup-compatibility/2006" xmlns:a14="http://schemas.microsoft.com/office/drawing/2010/main">
+        <mc:Choice Requires="a14">
           <p:sp>
             <p:nvSpPr>
               <p:cNvPr id="29" name="TextBox 28">
@@ -36705,6 +36699,7 @@
               </a:bodyPr>
               <a:lstStyle/>
               <a:p>
+                <a:pPr/>
                 <a14:m>
                   <m:oMathPara xmlns:m="http://schemas.openxmlformats.org/officeDocument/2006/math">
                     <m:oMathParaPr>
@@ -36726,7 +36721,7 @@
             </p:txBody>
           </p:sp>
         </mc:Choice>
-        <mc:Fallback>
+        <mc:Fallback xmlns="">
           <p:sp>
             <p:nvSpPr>
               <p:cNvPr id="29" name="TextBox 28">
@@ -36771,8 +36766,8 @@
           </p:sp>
         </mc:Fallback>
       </mc:AlternateContent>
-      <mc:AlternateContent xmlns:mc="http://schemas.openxmlformats.org/markup-compatibility/2006">
-        <mc:Choice xmlns:a14="http://schemas.microsoft.com/office/drawing/2010/main" Requires="a14">
+      <mc:AlternateContent xmlns:mc="http://schemas.openxmlformats.org/markup-compatibility/2006" xmlns:a14="http://schemas.microsoft.com/office/drawing/2010/main">
+        <mc:Choice Requires="a14">
           <p:sp>
             <p:nvSpPr>
               <p:cNvPr id="31" name="TextBox 30">
@@ -36830,7 +36825,7 @@
             </p:txBody>
           </p:sp>
         </mc:Choice>
-        <mc:Fallback>
+        <mc:Fallback xmlns="">
           <p:sp>
             <p:nvSpPr>
               <p:cNvPr id="31" name="TextBox 30">
@@ -36875,8 +36870,8 @@
           </p:sp>
         </mc:Fallback>
       </mc:AlternateContent>
-      <mc:AlternateContent xmlns:mc="http://schemas.openxmlformats.org/markup-compatibility/2006">
-        <mc:Choice xmlns:a14="http://schemas.microsoft.com/office/drawing/2010/main" Requires="a14">
+      <mc:AlternateContent xmlns:mc="http://schemas.openxmlformats.org/markup-compatibility/2006" xmlns:a14="http://schemas.microsoft.com/office/drawing/2010/main">
+        <mc:Choice Requires="a14">
           <p:sp>
             <p:nvSpPr>
               <p:cNvPr id="32" name="TextBox 31">
@@ -36905,6 +36900,7 @@
               </a:bodyPr>
               <a:lstStyle/>
               <a:p>
+                <a:pPr/>
                 <a14:m>
                   <m:oMathPara xmlns:m="http://schemas.openxmlformats.org/officeDocument/2006/math">
                     <m:oMathParaPr>
@@ -36933,7 +36929,7 @@
             </p:txBody>
           </p:sp>
         </mc:Choice>
-        <mc:Fallback>
+        <mc:Fallback xmlns="">
           <p:sp>
             <p:nvSpPr>
               <p:cNvPr id="32" name="TextBox 31">
@@ -36978,8 +36974,8 @@
           </p:sp>
         </mc:Fallback>
       </mc:AlternateContent>
-      <mc:AlternateContent xmlns:mc="http://schemas.openxmlformats.org/markup-compatibility/2006">
-        <mc:Choice xmlns:a14="http://schemas.microsoft.com/office/drawing/2010/main" Requires="a14">
+      <mc:AlternateContent xmlns:mc="http://schemas.openxmlformats.org/markup-compatibility/2006" xmlns:a14="http://schemas.microsoft.com/office/drawing/2010/main">
+        <mc:Choice Requires="a14">
           <p:sp>
             <p:nvSpPr>
               <p:cNvPr id="33" name="TextBox 32">
@@ -37044,7 +37040,7 @@
             </p:txBody>
           </p:sp>
         </mc:Choice>
-        <mc:Fallback>
+        <mc:Fallback xmlns="">
           <p:sp>
             <p:nvSpPr>
               <p:cNvPr id="33" name="TextBox 32">
@@ -37205,8 +37201,8 @@
           </a:p>
         </p:txBody>
       </p:sp>
-      <mc:AlternateContent xmlns:mc="http://schemas.openxmlformats.org/markup-compatibility/2006">
-        <mc:Choice xmlns:a14="http://schemas.microsoft.com/office/drawing/2010/main" Requires="a14">
+      <mc:AlternateContent xmlns:mc="http://schemas.openxmlformats.org/markup-compatibility/2006" xmlns:a14="http://schemas.microsoft.com/office/drawing/2010/main">
+        <mc:Choice Requires="a14">
           <p:sp>
             <p:nvSpPr>
               <p:cNvPr id="37" name="TextBox 36">
@@ -37237,6 +37233,7 @@
               </a:bodyPr>
               <a:lstStyle/>
               <a:p>
+                <a:pPr/>
                 <a14:m>
                   <m:oMathPara xmlns:m="http://schemas.openxmlformats.org/officeDocument/2006/math">
                     <m:oMathParaPr>
@@ -37377,7 +37374,7 @@
             </p:txBody>
           </p:sp>
         </mc:Choice>
-        <mc:Fallback>
+        <mc:Fallback xmlns="">
           <p:sp>
             <p:nvSpPr>
               <p:cNvPr id="37" name="TextBox 36">
@@ -37422,8 +37419,8 @@
           </p:sp>
         </mc:Fallback>
       </mc:AlternateContent>
-      <mc:AlternateContent xmlns:mc="http://schemas.openxmlformats.org/markup-compatibility/2006">
-        <mc:Choice xmlns:a14="http://schemas.microsoft.com/office/drawing/2010/main" Requires="a14">
+      <mc:AlternateContent xmlns:mc="http://schemas.openxmlformats.org/markup-compatibility/2006" xmlns:a14="http://schemas.microsoft.com/office/drawing/2010/main">
+        <mc:Choice Requires="a14">
           <p:sp>
             <p:nvSpPr>
               <p:cNvPr id="38" name="TextBox 37">
@@ -37624,7 +37621,7 @@
             </p:txBody>
           </p:sp>
         </mc:Choice>
-        <mc:Fallback>
+        <mc:Fallback xmlns="">
           <p:sp>
             <p:nvSpPr>
               <p:cNvPr id="38" name="TextBox 37">
@@ -37669,8 +37666,8 @@
           </p:sp>
         </mc:Fallback>
       </mc:AlternateContent>
-      <mc:AlternateContent xmlns:mc="http://schemas.openxmlformats.org/markup-compatibility/2006">
-        <mc:Choice xmlns:a14="http://schemas.microsoft.com/office/drawing/2010/main" Requires="a14">
+      <mc:AlternateContent xmlns:mc="http://schemas.openxmlformats.org/markup-compatibility/2006" xmlns:a14="http://schemas.microsoft.com/office/drawing/2010/main">
+        <mc:Choice Requires="a14">
           <p:sp>
             <p:nvSpPr>
               <p:cNvPr id="39" name="TextBox 38">
@@ -37871,7 +37868,7 @@
             </p:txBody>
           </p:sp>
         </mc:Choice>
-        <mc:Fallback>
+        <mc:Fallback xmlns="">
           <p:sp>
             <p:nvSpPr>
               <p:cNvPr id="39" name="TextBox 38">
@@ -37916,8 +37913,8 @@
           </p:sp>
         </mc:Fallback>
       </mc:AlternateContent>
-      <mc:AlternateContent xmlns:mc="http://schemas.openxmlformats.org/markup-compatibility/2006">
-        <mc:Choice xmlns:a14="http://schemas.microsoft.com/office/drawing/2010/main" Requires="a14">
+      <mc:AlternateContent xmlns:mc="http://schemas.openxmlformats.org/markup-compatibility/2006" xmlns:a14="http://schemas.microsoft.com/office/drawing/2010/main">
+        <mc:Choice Requires="a14">
           <p:sp>
             <p:nvSpPr>
               <p:cNvPr id="40" name="TextBox 39">
@@ -38068,7 +38065,7 @@
             </p:txBody>
           </p:sp>
         </mc:Choice>
-        <mc:Fallback>
+        <mc:Fallback xmlns="">
           <p:sp>
             <p:nvSpPr>
               <p:cNvPr id="40" name="TextBox 39">
@@ -39170,8 +39167,8 @@
           </a:fontRef>
         </p:style>
       </p:cxnSp>
-      <mc:AlternateContent xmlns:mc="http://schemas.openxmlformats.org/markup-compatibility/2006">
-        <mc:Choice xmlns:a14="http://schemas.microsoft.com/office/drawing/2010/main" Requires="a14">
+      <mc:AlternateContent xmlns:mc="http://schemas.openxmlformats.org/markup-compatibility/2006" xmlns:a14="http://schemas.microsoft.com/office/drawing/2010/main">
+        <mc:Choice Requires="a14">
           <p:sp>
             <p:nvSpPr>
               <p:cNvPr id="29" name="TextBox 28">
@@ -39200,6 +39197,7 @@
               </a:bodyPr>
               <a:lstStyle/>
               <a:p>
+                <a:pPr/>
                 <a14:m>
                   <m:oMathPara xmlns:m="http://schemas.openxmlformats.org/officeDocument/2006/math">
                     <m:oMathParaPr>
@@ -39221,7 +39219,7 @@
             </p:txBody>
           </p:sp>
         </mc:Choice>
-        <mc:Fallback>
+        <mc:Fallback xmlns="">
           <p:sp>
             <p:nvSpPr>
               <p:cNvPr id="29" name="TextBox 28">
@@ -39266,8 +39264,8 @@
           </p:sp>
         </mc:Fallback>
       </mc:AlternateContent>
-      <mc:AlternateContent xmlns:mc="http://schemas.openxmlformats.org/markup-compatibility/2006">
-        <mc:Choice xmlns:a14="http://schemas.microsoft.com/office/drawing/2010/main" Requires="a14">
+      <mc:AlternateContent xmlns:mc="http://schemas.openxmlformats.org/markup-compatibility/2006" xmlns:a14="http://schemas.microsoft.com/office/drawing/2010/main">
+        <mc:Choice Requires="a14">
           <p:sp>
             <p:nvSpPr>
               <p:cNvPr id="31" name="TextBox 30">
@@ -39325,7 +39323,7 @@
             </p:txBody>
           </p:sp>
         </mc:Choice>
-        <mc:Fallback>
+        <mc:Fallback xmlns="">
           <p:sp>
             <p:nvSpPr>
               <p:cNvPr id="31" name="TextBox 30">
@@ -39370,8 +39368,8 @@
           </p:sp>
         </mc:Fallback>
       </mc:AlternateContent>
-      <mc:AlternateContent xmlns:mc="http://schemas.openxmlformats.org/markup-compatibility/2006">
-        <mc:Choice xmlns:a14="http://schemas.microsoft.com/office/drawing/2010/main" Requires="a14">
+      <mc:AlternateContent xmlns:mc="http://schemas.openxmlformats.org/markup-compatibility/2006" xmlns:a14="http://schemas.microsoft.com/office/drawing/2010/main">
+        <mc:Choice Requires="a14">
           <p:sp>
             <p:nvSpPr>
               <p:cNvPr id="32" name="TextBox 31">
@@ -39400,6 +39398,7 @@
               </a:bodyPr>
               <a:lstStyle/>
               <a:p>
+                <a:pPr/>
                 <a14:m>
                   <m:oMathPara xmlns:m="http://schemas.openxmlformats.org/officeDocument/2006/math">
                     <m:oMathParaPr>
@@ -39428,7 +39427,7 @@
             </p:txBody>
           </p:sp>
         </mc:Choice>
-        <mc:Fallback>
+        <mc:Fallback xmlns="">
           <p:sp>
             <p:nvSpPr>
               <p:cNvPr id="32" name="TextBox 31">
@@ -39473,8 +39472,8 @@
           </p:sp>
         </mc:Fallback>
       </mc:AlternateContent>
-      <mc:AlternateContent xmlns:mc="http://schemas.openxmlformats.org/markup-compatibility/2006">
-        <mc:Choice xmlns:a14="http://schemas.microsoft.com/office/drawing/2010/main" Requires="a14">
+      <mc:AlternateContent xmlns:mc="http://schemas.openxmlformats.org/markup-compatibility/2006" xmlns:a14="http://schemas.microsoft.com/office/drawing/2010/main">
+        <mc:Choice Requires="a14">
           <p:sp>
             <p:nvSpPr>
               <p:cNvPr id="33" name="TextBox 32">
@@ -39539,7 +39538,7 @@
             </p:txBody>
           </p:sp>
         </mc:Choice>
-        <mc:Fallback>
+        <mc:Fallback xmlns="">
           <p:sp>
             <p:nvSpPr>
               <p:cNvPr id="33" name="TextBox 32">
@@ -39700,8 +39699,8 @@
           </a:p>
         </p:txBody>
       </p:sp>
-      <mc:AlternateContent xmlns:mc="http://schemas.openxmlformats.org/markup-compatibility/2006">
-        <mc:Choice xmlns:a14="http://schemas.microsoft.com/office/drawing/2010/main" Requires="a14">
+      <mc:AlternateContent xmlns:mc="http://schemas.openxmlformats.org/markup-compatibility/2006" xmlns:a14="http://schemas.microsoft.com/office/drawing/2010/main">
+        <mc:Choice Requires="a14">
           <p:sp>
             <p:nvSpPr>
               <p:cNvPr id="37" name="TextBox 36">
@@ -39732,6 +39731,7 @@
               </a:bodyPr>
               <a:lstStyle/>
               <a:p>
+                <a:pPr/>
                 <a14:m>
                   <m:oMathPara xmlns:m="http://schemas.openxmlformats.org/officeDocument/2006/math">
                     <m:oMathParaPr>
@@ -39891,7 +39891,7 @@
             </p:txBody>
           </p:sp>
         </mc:Choice>
-        <mc:Fallback>
+        <mc:Fallback xmlns="">
           <p:sp>
             <p:nvSpPr>
               <p:cNvPr id="37" name="TextBox 36">
@@ -39936,8 +39936,8 @@
           </p:sp>
         </mc:Fallback>
       </mc:AlternateContent>
-      <mc:AlternateContent xmlns:mc="http://schemas.openxmlformats.org/markup-compatibility/2006">
-        <mc:Choice xmlns:a14="http://schemas.microsoft.com/office/drawing/2010/main" Requires="a14">
+      <mc:AlternateContent xmlns:mc="http://schemas.openxmlformats.org/markup-compatibility/2006" xmlns:a14="http://schemas.microsoft.com/office/drawing/2010/main">
+        <mc:Choice Requires="a14">
           <p:sp>
             <p:nvSpPr>
               <p:cNvPr id="38" name="TextBox 37">
@@ -40302,7 +40302,7 @@
             </p:txBody>
           </p:sp>
         </mc:Choice>
-        <mc:Fallback>
+        <mc:Fallback xmlns="">
           <p:sp>
             <p:nvSpPr>
               <p:cNvPr id="38" name="TextBox 37">
@@ -40347,8 +40347,8 @@
           </p:sp>
         </mc:Fallback>
       </mc:AlternateContent>
-      <mc:AlternateContent xmlns:mc="http://schemas.openxmlformats.org/markup-compatibility/2006">
-        <mc:Choice xmlns:a14="http://schemas.microsoft.com/office/drawing/2010/main" Requires="a14">
+      <mc:AlternateContent xmlns:mc="http://schemas.openxmlformats.org/markup-compatibility/2006" xmlns:a14="http://schemas.microsoft.com/office/drawing/2010/main">
+        <mc:Choice Requires="a14">
           <p:sp>
             <p:nvSpPr>
               <p:cNvPr id="40" name="TextBox 39">
@@ -40507,7 +40507,7 @@
             </p:txBody>
           </p:sp>
         </mc:Choice>
-        <mc:Fallback>
+        <mc:Fallback xmlns="">
           <p:sp>
             <p:nvSpPr>
               <p:cNvPr id="40" name="TextBox 39">
@@ -41124,8 +41124,8 @@
           </a:p>
         </p:txBody>
       </p:sp>
-      <mc:AlternateContent xmlns:mc="http://schemas.openxmlformats.org/markup-compatibility/2006">
-        <mc:Choice xmlns:a14="http://schemas.microsoft.com/office/drawing/2010/main" Requires="a14">
+      <mc:AlternateContent xmlns:mc="http://schemas.openxmlformats.org/markup-compatibility/2006" xmlns:a14="http://schemas.microsoft.com/office/drawing/2010/main">
+        <mc:Choice Requires="a14">
           <p:sp>
             <p:nvSpPr>
               <p:cNvPr id="42" name="TextBox 41">
@@ -41209,7 +41209,7 @@
             </p:txBody>
           </p:sp>
         </mc:Choice>
-        <mc:Fallback>
+        <mc:Fallback xmlns="">
           <p:sp>
             <p:nvSpPr>
               <p:cNvPr id="42" name="TextBox 41">
@@ -41772,8 +41772,8 @@
           </a:p>
         </p:txBody>
       </p:sp>
-      <mc:AlternateContent xmlns:mc="http://schemas.openxmlformats.org/markup-compatibility/2006">
-        <mc:Choice xmlns:a14="http://schemas.microsoft.com/office/drawing/2010/main" Requires="a14">
+      <mc:AlternateContent xmlns:mc="http://schemas.openxmlformats.org/markup-compatibility/2006" xmlns:a14="http://schemas.microsoft.com/office/drawing/2010/main">
+        <mc:Choice Requires="a14">
           <p:sp>
             <p:nvSpPr>
               <p:cNvPr id="68" name="TextBox 67">
@@ -41829,7 +41829,7 @@
             </p:txBody>
           </p:sp>
         </mc:Choice>
-        <mc:Fallback>
+        <mc:Fallback xmlns="">
           <p:sp>
             <p:nvSpPr>
               <p:cNvPr id="68" name="TextBox 67">
@@ -41874,8 +41874,8 @@
           </p:sp>
         </mc:Fallback>
       </mc:AlternateContent>
-      <mc:AlternateContent xmlns:mc="http://schemas.openxmlformats.org/markup-compatibility/2006">
-        <mc:Choice xmlns:a14="http://schemas.microsoft.com/office/drawing/2010/main" Requires="a14">
+      <mc:AlternateContent xmlns:mc="http://schemas.openxmlformats.org/markup-compatibility/2006" xmlns:a14="http://schemas.microsoft.com/office/drawing/2010/main">
+        <mc:Choice Requires="a14">
           <p:sp>
             <p:nvSpPr>
               <p:cNvPr id="69" name="TextBox 68">
@@ -41904,7 +41904,6 @@
               </a:bodyPr>
               <a:lstStyle/>
               <a:p>
-                <a:pPr/>
                 <a:r>
                   <a:rPr lang="en-US" sz="2800" b="0" dirty="0"/>
                   <a:t>-</a:t>
@@ -41930,7 +41929,7 @@
             </p:txBody>
           </p:sp>
         </mc:Choice>
-        <mc:Fallback>
+        <mc:Fallback xmlns="">
           <p:sp>
             <p:nvSpPr>
               <p:cNvPr id="69" name="TextBox 68">
@@ -42079,8 +42078,8 @@
           </a:p>
         </p:txBody>
       </p:sp>
-      <mc:AlternateContent xmlns:mc="http://schemas.openxmlformats.org/markup-compatibility/2006">
-        <mc:Choice xmlns:a14="http://schemas.microsoft.com/office/drawing/2010/main" Requires="a14">
+      <mc:AlternateContent xmlns:mc="http://schemas.openxmlformats.org/markup-compatibility/2006" xmlns:a14="http://schemas.microsoft.com/office/drawing/2010/main">
+        <mc:Choice Requires="a14">
           <p:sp>
             <p:nvSpPr>
               <p:cNvPr id="72" name="TextBox 71">
@@ -42130,7 +42129,7 @@
             </p:txBody>
           </p:sp>
         </mc:Choice>
-        <mc:Fallback>
+        <mc:Fallback xmlns="">
           <p:sp>
             <p:nvSpPr>
               <p:cNvPr id="72" name="TextBox 71">
@@ -42175,8 +42174,8 @@
           </p:sp>
         </mc:Fallback>
       </mc:AlternateContent>
-      <mc:AlternateContent xmlns:mc="http://schemas.openxmlformats.org/markup-compatibility/2006">
-        <mc:Choice xmlns:a14="http://schemas.microsoft.com/office/drawing/2010/main" Requires="a14">
+      <mc:AlternateContent xmlns:mc="http://schemas.openxmlformats.org/markup-compatibility/2006" xmlns:a14="http://schemas.microsoft.com/office/drawing/2010/main">
+        <mc:Choice Requires="a14">
           <p:sp>
             <p:nvSpPr>
               <p:cNvPr id="73" name="TextBox 72">
@@ -42232,7 +42231,7 @@
             </p:txBody>
           </p:sp>
         </mc:Choice>
-        <mc:Fallback>
+        <mc:Fallback xmlns="">
           <p:sp>
             <p:nvSpPr>
               <p:cNvPr id="73" name="TextBox 72">
